--- a/slides/lecture10.pptx
+++ b/slides/lecture10.pptx
@@ -5484,6 +5484,23 @@
               <a:rPr lang="en-US" dirty="0"/>
               <a:t> </a:t>
             </a:r>
+          </a:p>
+          <a:p>
+            <a:r>
+              <a:rPr lang="en-US" dirty="0"/>
+              <a:t>Thesis track also need to do the same thing</a:t>
+            </a:r>
+          </a:p>
+          <a:p>
+            <a:pPr lvl="1"/>
+            <a:r>
+              <a:rPr lang="en-US" dirty="0"/>
+              <a:t>Your team members are the graduate students you work with</a:t>
+            </a:r>
+          </a:p>
+          <a:p>
+            <a:pPr lvl="1"/>
+            <a:endParaRPr lang="en-US" dirty="0"/>
           </a:p>
         </p:txBody>
       </p:sp>
